--- a/Presentations/ASE.pptx
+++ b/Presentations/ASE.pptx
@@ -8,8 +8,10 @@
     <p:sldId id="256" r:id="rId3"/>
     <p:sldId id="259" r:id="rId4"/>
     <p:sldId id="257" r:id="rId5"/>
-    <p:sldId id="258" r:id="rId6"/>
-    <p:sldId id="260" r:id="rId7"/>
+    <p:sldId id="263" r:id="rId6"/>
+    <p:sldId id="258" r:id="rId7"/>
+    <p:sldId id="265" r:id="rId8"/>
+    <p:sldId id="260" r:id="rId9"/>
   </p:sldIdLst>
   <p:sldSz cx="12192000" cy="6858000"/>
   <p:notesSz cx="7103745" cy="10234295"/>
@@ -2725,7 +2727,7 @@
         </p:nvSpPr>
         <p:spPr>
           <a:xfrm>
-            <a:off x="1346200" y="1251585"/>
+            <a:off x="1153160" y="1729105"/>
             <a:ext cx="9678035" cy="2790825"/>
           </a:xfrm>
         </p:spPr>
@@ -2936,6 +2938,84 @@
 </file>
 
 <file path=ppt/slides/slide4.xml><?xml version="1.0" encoding="utf-8"?>
+<p:sld xmlns:a="http://schemas.openxmlformats.org/drawingml/2006/main" xmlns:r="http://schemas.openxmlformats.org/officeDocument/2006/relationships" xmlns:p="http://schemas.openxmlformats.org/presentationml/2006/main">
+  <p:cSld>
+    <p:spTree>
+      <p:nvGrpSpPr>
+        <p:cNvPr id="1" name=""/>
+        <p:cNvGrpSpPr/>
+        <p:nvPr/>
+      </p:nvGrpSpPr>
+      <p:grpSpPr/>
+      <p:sp>
+        <p:nvSpPr>
+          <p:cNvPr id="2" name="Title 1"/>
+          <p:cNvSpPr>
+            <a:spLocks noGrp="1"/>
+          </p:cNvSpPr>
+          <p:nvPr>
+            <p:ph type="title"/>
+          </p:nvPr>
+        </p:nvSpPr>
+        <p:spPr>
+          <a:xfrm>
+            <a:off x="218440" y="2844165"/>
+            <a:ext cx="10515600" cy="798195"/>
+          </a:xfrm>
+        </p:spPr>
+        <p:txBody>
+          <a:bodyPr>
+            <a:normAutofit/>
+          </a:bodyPr>
+          <a:p>
+            <a:r>
+              <a:rPr lang="en-IN" altLang="en-US" b="1">
+                <a:solidFill>
+                  <a:schemeClr val="accent4"/>
+                </a:solidFill>
+                <a:effectLst/>
+                <a:uFillTx/>
+                <a:sym typeface="+mn-ea"/>
+              </a:rPr>
+              <a:t>Usecase</a:t>
+            </a:r>
+            <a:endParaRPr lang="en-US"/>
+          </a:p>
+        </p:txBody>
+      </p:sp>
+      <p:pic>
+        <p:nvPicPr>
+          <p:cNvPr id="5" name="Picture 4" descr="usecase"/>
+          <p:cNvPicPr>
+            <a:picLocks noChangeAspect="1"/>
+          </p:cNvPicPr>
+          <p:nvPr/>
+        </p:nvPicPr>
+        <p:blipFill>
+          <a:blip r:embed="rId1"/>
+          <a:stretch>
+            <a:fillRect/>
+          </a:stretch>
+        </p:blipFill>
+        <p:spPr>
+          <a:xfrm>
+            <a:off x="3051175" y="250825"/>
+            <a:ext cx="8774430" cy="6355715"/>
+          </a:xfrm>
+          <a:prstGeom prst="rect">
+            <a:avLst/>
+          </a:prstGeom>
+        </p:spPr>
+      </p:pic>
+    </p:spTree>
+  </p:cSld>
+  <p:clrMapOvr>
+    <a:masterClrMapping/>
+  </p:clrMapOvr>
+</p:sld>
+</file>
+
+<file path=ppt/slides/slide5.xml><?xml version="1.0" encoding="utf-8"?>
 <p:sld xmlns:a="http://schemas.openxmlformats.org/drawingml/2006/main" xmlns:r="http://schemas.openxmlformats.org/officeDocument/2006/relationships" xmlns:p="http://schemas.openxmlformats.org/presentationml/2006/main">
   <p:cSld>
     <p:spTree>
@@ -3031,7 +3111,97 @@
 </p:sld>
 </file>
 
-<file path=ppt/slides/slide5.xml><?xml version="1.0" encoding="utf-8"?>
+<file path=ppt/slides/slide6.xml><?xml version="1.0" encoding="utf-8"?>
+<p:sld xmlns:a="http://schemas.openxmlformats.org/drawingml/2006/main" xmlns:r="http://schemas.openxmlformats.org/officeDocument/2006/relationships" xmlns:p="http://schemas.openxmlformats.org/presentationml/2006/main">
+  <p:cSld>
+    <p:spTree>
+      <p:nvGrpSpPr>
+        <p:cNvPr id="1" name=""/>
+        <p:cNvGrpSpPr/>
+        <p:nvPr/>
+      </p:nvGrpSpPr>
+      <p:grpSpPr/>
+      <p:sp>
+        <p:nvSpPr>
+          <p:cNvPr id="2" name="Content Placeholder 1"/>
+          <p:cNvSpPr>
+            <a:spLocks noGrp="1"/>
+          </p:cNvSpPr>
+          <p:nvPr>
+            <p:ph/>
+          </p:nvPr>
+        </p:nvSpPr>
+        <p:spPr/>
+        <p:txBody>
+          <a:bodyPr>
+            <a:scene3d>
+              <a:camera prst="orthographicFront"/>
+              <a:lightRig rig="soft" dir="t">
+                <a:rot lat="0" lon="0" rev="15600000"/>
+              </a:lightRig>
+            </a:scene3d>
+            <a:sp3d extrusionH="57150" prstMaterial="softEdge">
+              <a:bevelT w="25400" h="38100"/>
+            </a:sp3d>
+          </a:bodyPr>
+          <a:p>
+            <a:pPr marL="0" indent="0">
+              <a:buNone/>
+            </a:pPr>
+            <a:r>
+              <a:rPr lang="en-IN" altLang="en-US" sz="4400" b="1">
+                <a:ln/>
+                <a:solidFill>
+                  <a:schemeClr val="accent4"/>
+                </a:solidFill>
+                <a:effectLst/>
+              </a:rPr>
+              <a:t>Class Diagram</a:t>
+            </a:r>
+            <a:endParaRPr lang="en-IN" altLang="en-US" sz="4400" b="1">
+              <a:ln/>
+              <a:solidFill>
+                <a:schemeClr val="accent4"/>
+              </a:solidFill>
+              <a:effectLst/>
+            </a:endParaRPr>
+          </a:p>
+        </p:txBody>
+      </p:sp>
+      <p:pic>
+        <p:nvPicPr>
+          <p:cNvPr id="4" name="Picture 3" descr="C:\Users\asus\Pictures\class_diagram.jpgclass_diagram"/>
+          <p:cNvPicPr>
+            <a:picLocks noChangeAspect="1"/>
+          </p:cNvPicPr>
+          <p:nvPr/>
+        </p:nvPicPr>
+        <p:blipFill>
+          <a:blip r:embed="rId1"/>
+          <a:srcRect/>
+          <a:stretch>
+            <a:fillRect/>
+          </a:stretch>
+        </p:blipFill>
+        <p:spPr>
+          <a:xfrm>
+            <a:off x="1718945" y="1170940"/>
+            <a:ext cx="8846820" cy="5128895"/>
+          </a:xfrm>
+          <a:prstGeom prst="rect">
+            <a:avLst/>
+          </a:prstGeom>
+        </p:spPr>
+      </p:pic>
+    </p:spTree>
+  </p:cSld>
+  <p:clrMapOvr>
+    <a:masterClrMapping/>
+  </p:clrMapOvr>
+</p:sld>
+</file>
+
+<file path=ppt/slides/slide7.xml><?xml version="1.0" encoding="utf-8"?>
 <p:sld xmlns:a="http://schemas.openxmlformats.org/drawingml/2006/main" xmlns:r="http://schemas.openxmlformats.org/officeDocument/2006/relationships" xmlns:p="http://schemas.openxmlformats.org/presentationml/2006/main">
   <p:cSld>
     <p:spTree>
